--- a/Covid_Deaths_Analysis.pptx
+++ b/Covid_Deaths_Analysis.pptx
@@ -264,7 +264,7 @@
       </p15:sldGuideLst>
     </p:ext>
     <p:ext uri="http://customooxmlschemas.google.com/">
-      <go:slidesCustomData xmlns="" xmlns:mc="http://schemas.openxmlformats.org/markup-compatibility/2006" xmlns:mv="urn:schemas-microsoft-com:mac:vml" xmlns:c="http://schemas.openxmlformats.org/drawingml/2006/chart" xmlns:dgm="http://schemas.openxmlformats.org/drawingml/2006/diagram" xmlns:o="urn:schemas-microsoft-com:office:office" xmlns:v="urn:schemas-microsoft-com:vml" xmlns:pvml="urn:schemas-microsoft-com:office:powerpoint" xmlns:com="http://schemas.openxmlformats.org/drawingml/2006/compatibility" xmlns:p14="http://schemas.microsoft.com/office/powerpoint/2010/main" xmlns:p15="http://schemas.microsoft.com/office/powerpoint/2012/main" xmlns:ahyp="http://schemas.microsoft.com/office/drawing/2018/hyperlinkcolor" xmlns:go="http://customooxmlschemas.google.com/" r:id="rId14" roundtripDataSignature="AMtx7mjvjJkRmz/bigK8rfaOhcAWgBtoAw=="/>
+      <go:slidesCustomData xmlns:go="http://customooxmlschemas.google.com/" xmlns:ahyp="http://schemas.microsoft.com/office/drawing/2018/hyperlinkcolor" xmlns:p15="http://schemas.microsoft.com/office/powerpoint/2012/main" xmlns:p14="http://schemas.microsoft.com/office/powerpoint/2010/main" xmlns:com="http://schemas.openxmlformats.org/drawingml/2006/compatibility" xmlns:pvml="urn:schemas-microsoft-com:office:powerpoint" xmlns:v="urn:schemas-microsoft-com:vml" xmlns:o="urn:schemas-microsoft-com:office:office" xmlns:dgm="http://schemas.openxmlformats.org/drawingml/2006/diagram" xmlns:c="http://schemas.openxmlformats.org/drawingml/2006/chart" xmlns:mv="urn:schemas-microsoft-com:mac:vml" xmlns:mc="http://schemas.openxmlformats.org/markup-compatibility/2006" xmlns="" r:id="rId14" roundtripDataSignature="AMtx7mjvjJkRmz/bigK8rfaOhcAWgBtoAw=="/>
     </p:ext>
   </p:extLst>
 </p:presentation>
@@ -11329,8 +11329,8 @@
         </p:nvSpPr>
         <p:spPr>
           <a:xfrm>
-            <a:off x="1205099" y="2594742"/>
-            <a:ext cx="3436582" cy="584775"/>
+            <a:off x="1205098" y="2594742"/>
+            <a:ext cx="4776251" cy="584735"/>
           </a:xfrm>
           <a:prstGeom prst="rect">
             <a:avLst/>
@@ -11356,7 +11356,7 @@
               <a:buNone/>
             </a:pPr>
             <a:r>
-              <a:rPr lang="en-US" sz="3200">
+              <a:rPr lang="en-US" sz="3200" dirty="0">
                 <a:solidFill>
                   <a:srgbClr val="595959"/>
                 </a:solidFill>
@@ -11365,9 +11365,9 @@
                 <a:cs typeface="Calibri"/>
                 <a:sym typeface="Calibri"/>
               </a:rPr>
-              <a:t>Geography Analysis</a:t>
+              <a:t>Geographical Analysis</a:t>
             </a:r>
-            <a:endParaRPr/>
+            <a:endParaRPr dirty="0"/>
           </a:p>
         </p:txBody>
       </p:sp>
@@ -11513,7 +11513,7 @@
               <a:buChar char="•"/>
             </a:pPr>
             <a:r>
-              <a:rPr lang="en-US" sz="1800">
+              <a:rPr lang="en-US" sz="1800" dirty="0">
                 <a:solidFill>
                   <a:srgbClr val="595959"/>
                 </a:solidFill>
@@ -11524,7 +11524,7 @@
               </a:rPr>
               <a:t>Hannah Harrison</a:t>
             </a:r>
-            <a:endParaRPr/>
+            <a:endParaRPr dirty="0"/>
           </a:p>
           <a:p>
             <a:pPr marL="342900" marR="0" lvl="0" indent="-342900" algn="l" rtl="0">
@@ -11542,7 +11542,7 @@
               <a:buChar char="•"/>
             </a:pPr>
             <a:r>
-              <a:rPr lang="en-US" sz="1800">
+              <a:rPr lang="en-US" sz="1800" dirty="0">
                 <a:solidFill>
                   <a:srgbClr val="595959"/>
                 </a:solidFill>
@@ -11551,9 +11551,9 @@
                 <a:cs typeface="Calibri"/>
                 <a:sym typeface="Calibri"/>
               </a:rPr>
-              <a:t>Randal Weaver</a:t>
+              <a:t>Randall Weaver</a:t>
             </a:r>
-            <a:endParaRPr/>
+            <a:endParaRPr dirty="0"/>
           </a:p>
           <a:p>
             <a:pPr marL="342900" marR="0" lvl="0" indent="-342900" algn="l" rtl="0">
@@ -11571,7 +11571,7 @@
               <a:buChar char="•"/>
             </a:pPr>
             <a:r>
-              <a:rPr lang="en-US" sz="1800">
+              <a:rPr lang="en-US" sz="1800" dirty="0">
                 <a:solidFill>
                   <a:srgbClr val="595959"/>
                 </a:solidFill>
@@ -11582,7 +11582,7 @@
               </a:rPr>
               <a:t>Yang Yu</a:t>
             </a:r>
-            <a:endParaRPr/>
+            <a:endParaRPr dirty="0"/>
           </a:p>
           <a:p>
             <a:pPr marL="342900" marR="0" lvl="0" indent="-342900" algn="l" rtl="0">
@@ -11600,7 +11600,7 @@
               <a:buChar char="•"/>
             </a:pPr>
             <a:r>
-              <a:rPr lang="en-US" sz="1800">
+              <a:rPr lang="en-US" sz="1800" dirty="0">
                 <a:solidFill>
                   <a:srgbClr val="595959"/>
                 </a:solidFill>
@@ -11611,7 +11611,7 @@
               </a:rPr>
               <a:t>Abishua Prashanth</a:t>
             </a:r>
-            <a:endParaRPr/>
+            <a:endParaRPr dirty="0"/>
           </a:p>
         </p:txBody>
       </p:sp>
@@ -14829,7 +14829,7 @@
         <p:spPr>
           <a:xfrm>
             <a:off x="3997149" y="2144433"/>
-            <a:ext cx="3817800" cy="2246729"/>
+            <a:ext cx="3817800" cy="2031285"/>
           </a:xfrm>
           <a:prstGeom prst="rect">
             <a:avLst/>
@@ -14876,7 +14876,7 @@
               <a:rPr lang="en-US" dirty="0">
                 <a:sym typeface="Calibri"/>
               </a:rPr>
-              <a:t>The chart shows 55.2% of males died from Covid-19, a 10% increase compared to 44.8% of females. </a:t>
+              <a:t>The chart shows 55.2% of deaths were male, a 10% increase compared to 44.8% of females. </a:t>
             </a:r>
             <a:endParaRPr dirty="0">
               <a:sym typeface="Calibri"/>
@@ -15793,8 +15793,8 @@
         </p:nvSpPr>
         <p:spPr>
           <a:xfrm>
-            <a:off x="1746710" y="2511591"/>
-            <a:ext cx="543739" cy="230832"/>
+            <a:off x="1461822" y="2519863"/>
+            <a:ext cx="979755" cy="230832"/>
           </a:xfrm>
           <a:prstGeom prst="rect">
             <a:avLst/>
@@ -15813,17 +15813,17 @@
                   <a:schemeClr val="accent2"/>
                 </a:solidFill>
               </a:rPr>
-              <a:t>Peak 1</a:t>
+              <a:t>130,144 deaths</a:t>
             </a:r>
           </a:p>
         </p:txBody>
       </p:sp>
       <p:sp>
         <p:nvSpPr>
-          <p:cNvPr id="15" name="TextBox 14">
+          <p:cNvPr id="17" name="TextBox 16">
             <a:extLst>
               <a:ext uri="{FF2B5EF4-FFF2-40B4-BE49-F238E27FC236}">
-                <a16:creationId xmlns:a16="http://schemas.microsoft.com/office/drawing/2014/main" id="{0D4EE1E3-9F03-E44F-B5AE-EF2A4DA6C1B9}"/>
+                <a16:creationId xmlns:a16="http://schemas.microsoft.com/office/drawing/2014/main" id="{AEA53F20-0181-634F-BCC0-E2483C0D4E13}"/>
               </a:ext>
             </a:extLst>
           </p:cNvPr>
@@ -15832,8 +15832,8 @@
         </p:nvSpPr>
         <p:spPr>
           <a:xfrm>
-            <a:off x="3715179" y="2131405"/>
-            <a:ext cx="543739" cy="230832"/>
+            <a:off x="3689702" y="2123751"/>
+            <a:ext cx="979755" cy="230832"/>
           </a:xfrm>
           <a:prstGeom prst="rect">
             <a:avLst/>
@@ -15852,17 +15852,17 @@
                   <a:schemeClr val="accent2"/>
                 </a:solidFill>
               </a:rPr>
-              <a:t>Peak 2</a:t>
+              <a:t>209,928 deaths</a:t>
             </a:r>
           </a:p>
         </p:txBody>
       </p:sp>
       <p:sp>
         <p:nvSpPr>
-          <p:cNvPr id="16" name="TextBox 15">
+          <p:cNvPr id="18" name="TextBox 17">
             <a:extLst>
               <a:ext uri="{FF2B5EF4-FFF2-40B4-BE49-F238E27FC236}">
-                <a16:creationId xmlns:a16="http://schemas.microsoft.com/office/drawing/2014/main" id="{35BE8078-E8FB-E64B-80FA-7768355E00B0}"/>
+                <a16:creationId xmlns:a16="http://schemas.microsoft.com/office/drawing/2014/main" id="{5466DACC-43D1-9945-B40A-70665E3AF600}"/>
               </a:ext>
             </a:extLst>
           </p:cNvPr>
@@ -15871,8 +15871,8 @@
         </p:nvSpPr>
         <p:spPr>
           <a:xfrm>
-            <a:off x="4732321" y="2800877"/>
-            <a:ext cx="543739" cy="230832"/>
+            <a:off x="4453122" y="2738301"/>
+            <a:ext cx="979755" cy="230832"/>
           </a:xfrm>
           <a:prstGeom prst="rect">
             <a:avLst/>
@@ -15891,7 +15891,7 @@
                   <a:schemeClr val="accent2"/>
                 </a:solidFill>
               </a:rPr>
-              <a:t>Peak 3</a:t>
+              <a:t>109,295 deaths</a:t>
             </a:r>
           </a:p>
         </p:txBody>

--- a/Covid_Deaths_Analysis.pptx
+++ b/Covid_Deaths_Analysis.pptx
@@ -264,7 +264,7 @@
       </p15:sldGuideLst>
     </p:ext>
     <p:ext uri="http://customooxmlschemas.google.com/">
-      <go:slidesCustomData xmlns:go="http://customooxmlschemas.google.com/" xmlns:ahyp="http://schemas.microsoft.com/office/drawing/2018/hyperlinkcolor" xmlns:p15="http://schemas.microsoft.com/office/powerpoint/2012/main" xmlns:p14="http://schemas.microsoft.com/office/powerpoint/2010/main" xmlns:com="http://schemas.openxmlformats.org/drawingml/2006/compatibility" xmlns:pvml="urn:schemas-microsoft-com:office:powerpoint" xmlns:v="urn:schemas-microsoft-com:vml" xmlns:o="urn:schemas-microsoft-com:office:office" xmlns:dgm="http://schemas.openxmlformats.org/drawingml/2006/diagram" xmlns:c="http://schemas.openxmlformats.org/drawingml/2006/chart" xmlns:mv="urn:schemas-microsoft-com:mac:vml" xmlns:mc="http://schemas.openxmlformats.org/markup-compatibility/2006" xmlns="" r:id="rId14" roundtripDataSignature="AMtx7mjvjJkRmz/bigK8rfaOhcAWgBtoAw=="/>
+      <go:slidesCustomData xmlns="" xmlns:mc="http://schemas.openxmlformats.org/markup-compatibility/2006" xmlns:mv="urn:schemas-microsoft-com:mac:vml" xmlns:c="http://schemas.openxmlformats.org/drawingml/2006/chart" xmlns:dgm="http://schemas.openxmlformats.org/drawingml/2006/diagram" xmlns:o="urn:schemas-microsoft-com:office:office" xmlns:v="urn:schemas-microsoft-com:vml" xmlns:pvml="urn:schemas-microsoft-com:office:powerpoint" xmlns:com="http://schemas.openxmlformats.org/drawingml/2006/compatibility" xmlns:p14="http://schemas.microsoft.com/office/powerpoint/2010/main" xmlns:p15="http://schemas.microsoft.com/office/powerpoint/2012/main" xmlns:ahyp="http://schemas.microsoft.com/office/drawing/2018/hyperlinkcolor" xmlns:go="http://customooxmlschemas.google.com/" r:id="rId14" roundtripDataSignature="AMtx7mjvjJkRmz/bigK8rfaOhcAWgBtoAw=="/>
     </p:ext>
   </p:extLst>
 </p:presentation>
@@ -15229,8 +15229,8 @@
         </p:nvSpPr>
         <p:spPr>
           <a:xfrm>
-            <a:off x="6554025" y="2591364"/>
-            <a:ext cx="2789212" cy="3447057"/>
+            <a:off x="6708456" y="1949181"/>
+            <a:ext cx="3307999" cy="3662501"/>
           </a:xfrm>
           <a:prstGeom prst="rect">
             <a:avLst/>
@@ -15460,10 +15460,9 @@
               </a:rPr>
               <a:t>As we don’t have the data for all of October 2021, it is possible that the number of deaths may be higher than in September 2021</a:t>
             </a:r>
-            <a:endParaRPr dirty="0"/>
           </a:p>
           <a:p>
-            <a:pPr marL="171450" marR="0" lvl="0" indent="-82550" algn="l" rtl="0">
+            <a:pPr marL="171450" marR="0" lvl="0" indent="-171450" algn="l" rtl="0">
               <a:lnSpc>
                 <a:spcPct val="100000"/>
               </a:lnSpc>
@@ -15474,46 +15473,42 @@
                 <a:spcPts val="0"/>
               </a:spcAft>
               <a:buClr>
-                <a:schemeClr val="dk1"/>
+                <a:srgbClr val="7F7F7F"/>
               </a:buClr>
               <a:buSzPts val="1400"/>
               <a:buFont typeface="Arial"/>
-              <a:buNone/>
+              <a:buChar char="•"/>
             </a:pPr>
-            <a:endParaRPr sz="1400" dirty="0">
+            <a:endParaRPr lang="en-US" dirty="0">
               <a:solidFill>
                 <a:srgbClr val="7F7F7F"/>
               </a:solidFill>
               <a:latin typeface="Calibri"/>
-              <a:ea typeface="Calibri"/>
               <a:cs typeface="Calibri"/>
               <a:sym typeface="Calibri"/>
             </a:endParaRPr>
           </a:p>
           <a:p>
-            <a:pPr marL="285750" marR="0" lvl="0" indent="-196850" algn="l" rtl="0">
-              <a:spcBef>
-                <a:spcPts val="0"/>
-              </a:spcBef>
-              <a:spcAft>
-                <a:spcPts val="0"/>
-              </a:spcAft>
+            <a:pPr marL="171450" lvl="0" indent="-171450">
               <a:buClr>
-                <a:schemeClr val="dk1"/>
+                <a:srgbClr val="7F7F7F"/>
               </a:buClr>
               <a:buSzPts val="1400"/>
               <a:buFont typeface="Arial"/>
-              <a:buNone/>
+              <a:buChar char="•"/>
             </a:pPr>
-            <a:endParaRPr sz="1400" dirty="0">
-              <a:solidFill>
-                <a:srgbClr val="7F7F7F"/>
-              </a:solidFill>
-              <a:latin typeface="Calibri"/>
-              <a:ea typeface="Calibri"/>
-              <a:cs typeface="Calibri"/>
-              <a:sym typeface="Calibri"/>
-            </a:endParaRPr>
+            <a:r>
+              <a:rPr lang="en-US" dirty="0">
+                <a:solidFill>
+                  <a:srgbClr val="7F7F7F"/>
+                </a:solidFill>
+                <a:latin typeface="Calibri"/>
+                <a:cs typeface="Calibri"/>
+                <a:sym typeface="Calibri"/>
+              </a:rPr>
+              <a:t>The peak in January 2021 which spans 2 months (Dec-Jan)  account for 28% of the deaths</a:t>
+            </a:r>
+            <a:endParaRPr dirty="0"/>
           </a:p>
         </p:txBody>
       </p:sp>
@@ -15531,8 +15526,8 @@
         </p:nvSpPr>
         <p:spPr>
           <a:xfrm>
-            <a:off x="6672259" y="2144001"/>
-            <a:ext cx="2280945" cy="369332"/>
+            <a:off x="6826690" y="1501818"/>
+            <a:ext cx="3055886" cy="369332"/>
           </a:xfrm>
           <a:prstGeom prst="rect">
             <a:avLst/>
@@ -15794,7 +15789,7 @@
         <p:spPr>
           <a:xfrm>
             <a:off x="1461822" y="2519863"/>
-            <a:ext cx="979755" cy="230832"/>
+            <a:ext cx="915635" cy="230832"/>
           </a:xfrm>
           <a:prstGeom prst="rect">
             <a:avLst/>
@@ -15805,15 +15800,31 @@
           <a:bodyPr wrap="none" rtlCol="0">
             <a:spAutoFit/>
           </a:bodyPr>
-          <a:lstStyle/>
+          <a:lstStyle>
+            <a:defPPr marR="0" lvl="0" algn="l" rtl="0">
+              <a:lnSpc>
+                <a:spcPct val="100000"/>
+              </a:lnSpc>
+              <a:spcBef>
+                <a:spcPts val="0"/>
+              </a:spcBef>
+              <a:spcAft>
+                <a:spcPts val="0"/>
+              </a:spcAft>
+              <a:defRPr/>
+            </a:defPPr>
+            <a:lvl1pPr>
+              <a:defRPr sz="900">
+                <a:solidFill>
+                  <a:schemeClr val="accent2"/>
+                </a:solidFill>
+              </a:defRPr>
+            </a:lvl1pPr>
+          </a:lstStyle>
           <a:p>
             <a:r>
-              <a:rPr lang="en-US" sz="900" dirty="0">
-                <a:solidFill>
-                  <a:schemeClr val="accent2"/>
-                </a:solidFill>
-              </a:rPr>
-              <a:t>130,144 deaths</a:t>
+              <a:rPr lang="en-US" dirty="0"/>
+              <a:t>65,474 deaths</a:t>
             </a:r>
           </a:p>
         </p:txBody>
@@ -15844,15 +15855,30 @@
           <a:bodyPr wrap="none" rtlCol="0">
             <a:spAutoFit/>
           </a:bodyPr>
-          <a:lstStyle/>
+          <a:lstStyle>
+            <a:defPPr marR="0" lvl="0" algn="l" rtl="0">
+              <a:lnSpc>
+                <a:spcPct val="100000"/>
+              </a:lnSpc>
+              <a:spcBef>
+                <a:spcPts val="0"/>
+              </a:spcBef>
+              <a:spcAft>
+                <a:spcPts val="0"/>
+              </a:spcAft>
+            </a:defPPr>
+            <a:lvl1pPr>
+              <a:defRPr sz="900">
+                <a:solidFill>
+                  <a:schemeClr val="accent2"/>
+                </a:solidFill>
+              </a:defRPr>
+            </a:lvl1pPr>
+          </a:lstStyle>
           <a:p>
             <a:r>
-              <a:rPr lang="en-US" sz="900" dirty="0">
-                <a:solidFill>
-                  <a:schemeClr val="accent2"/>
-                </a:solidFill>
-              </a:rPr>
-              <a:t>209,928 deaths</a:t>
+              <a:rPr lang="en-US" dirty="0"/>
+              <a:t>105,229 deaths</a:t>
             </a:r>
           </a:p>
         </p:txBody>
@@ -15872,7 +15898,7 @@
         <p:spPr>
           <a:xfrm>
             <a:off x="4453122" y="2738301"/>
-            <a:ext cx="979755" cy="230832"/>
+            <a:ext cx="915635" cy="230832"/>
           </a:xfrm>
           <a:prstGeom prst="rect">
             <a:avLst/>
@@ -15883,15 +15909,31 @@
           <a:bodyPr wrap="none" rtlCol="0">
             <a:spAutoFit/>
           </a:bodyPr>
-          <a:lstStyle/>
+          <a:lstStyle>
+            <a:defPPr marR="0" lvl="0" algn="l" rtl="0">
+              <a:lnSpc>
+                <a:spcPct val="100000"/>
+              </a:lnSpc>
+              <a:spcBef>
+                <a:spcPts val="0"/>
+              </a:spcBef>
+              <a:spcAft>
+                <a:spcPts val="0"/>
+              </a:spcAft>
+              <a:defRPr/>
+            </a:defPPr>
+            <a:lvl1pPr>
+              <a:defRPr sz="900">
+                <a:solidFill>
+                  <a:schemeClr val="accent2"/>
+                </a:solidFill>
+              </a:defRPr>
+            </a:lvl1pPr>
+          </a:lstStyle>
           <a:p>
             <a:r>
-              <a:rPr lang="en-US" sz="900" dirty="0">
-                <a:solidFill>
-                  <a:schemeClr val="accent2"/>
-                </a:solidFill>
-              </a:rPr>
-              <a:t>109,295 deaths</a:t>
+              <a:rPr lang="en-US" dirty="0"/>
+              <a:t>54,961 deaths</a:t>
             </a:r>
           </a:p>
         </p:txBody>
